--- a/Final Presentation.pptx
+++ b/Final Presentation.pptx
@@ -808,7 +808,7 @@
   <p:cSld>
     <p:spTree>
       <p:nvGrpSpPr>
-        <p:cNvPr id="132" name="Shape 132"/>
+        <p:cNvPr id="134" name="Shape 134"/>
         <p:cNvGrpSpPr/>
         <p:nvPr/>
       </p:nvGrpSpPr>
@@ -822,7 +822,7 @@
       </p:grpSpPr>
       <p:sp>
         <p:nvSpPr>
-          <p:cNvPr id="133" name="Google Shape;133;g3e55d52ca4_4_6:notes"/>
+          <p:cNvPr id="135" name="Google Shape;135;g3e55d52ca4_4_6:notes"/>
           <p:cNvSpPr/>
           <p:nvPr>
             <p:ph idx="2" type="sldImg"/>
@@ -856,7 +856,7 @@
       </p:sp>
       <p:sp>
         <p:nvSpPr>
-          <p:cNvPr id="134" name="Google Shape;134;g3e55d52ca4_4_6:notes"/>
+          <p:cNvPr id="136" name="Google Shape;136;g3e55d52ca4_4_6:notes"/>
           <p:cNvSpPr txBox="1"/>
           <p:nvPr>
             <p:ph idx="1" type="body"/>
@@ -1592,7 +1592,7 @@
   <p:cSld>
     <p:spTree>
       <p:nvGrpSpPr>
-        <p:cNvPr id="124" name="Shape 124"/>
+        <p:cNvPr id="126" name="Shape 126"/>
         <p:cNvGrpSpPr/>
         <p:nvPr/>
       </p:nvGrpSpPr>
@@ -1606,7 +1606,7 @@
       </p:grpSpPr>
       <p:sp>
         <p:nvSpPr>
-          <p:cNvPr id="125" name="Google Shape;125;g3e55d52ca4_4_0:notes"/>
+          <p:cNvPr id="127" name="Google Shape;127;g3e55d52ca4_4_0:notes"/>
           <p:cNvSpPr/>
           <p:nvPr>
             <p:ph idx="2" type="sldImg"/>
@@ -1640,7 +1640,7 @@
       </p:sp>
       <p:sp>
         <p:nvSpPr>
-          <p:cNvPr id="126" name="Google Shape;126;g3e55d52ca4_4_0:notes"/>
+          <p:cNvPr id="128" name="Google Shape;128;g3e55d52ca4_4_0:notes"/>
           <p:cNvSpPr txBox="1"/>
           <p:nvPr>
             <p:ph idx="1" type="body"/>
@@ -7417,18 +7417,24 @@
             </a:pPr>
             <a:r>
               <a:rPr lang="en-GB" sz="1200">
-                <a:latin typeface="Times New Roman"/>
-                <a:ea typeface="Times New Roman"/>
-                <a:cs typeface="Times New Roman"/>
-                <a:sym typeface="Times New Roman"/>
+                <a:solidFill>
+                  <a:srgbClr val="666666"/>
+                </a:solidFill>
+                <a:latin typeface="Calibri"/>
+                <a:ea typeface="Calibri"/>
+                <a:cs typeface="Calibri"/>
+                <a:sym typeface="Calibri"/>
               </a:rPr>
               <a:t>140011X:	H. M. A. Abeywardana </a:t>
             </a:r>
             <a:endParaRPr sz="1200">
-              <a:latin typeface="Times New Roman"/>
-              <a:ea typeface="Times New Roman"/>
-              <a:cs typeface="Times New Roman"/>
-              <a:sym typeface="Times New Roman"/>
+              <a:solidFill>
+                <a:srgbClr val="666666"/>
+              </a:solidFill>
+              <a:latin typeface="Calibri"/>
+              <a:ea typeface="Calibri"/>
+              <a:cs typeface="Calibri"/>
+              <a:sym typeface="Calibri"/>
             </a:endParaRPr>
           </a:p>
           <a:p>
@@ -7446,18 +7452,24 @@
             </a:pPr>
             <a:r>
               <a:rPr lang="en-GB" sz="1200">
-                <a:latin typeface="Times New Roman"/>
-                <a:ea typeface="Times New Roman"/>
-                <a:cs typeface="Times New Roman"/>
-                <a:sym typeface="Times New Roman"/>
+                <a:solidFill>
+                  <a:srgbClr val="666666"/>
+                </a:solidFill>
+                <a:latin typeface="Calibri"/>
+                <a:ea typeface="Calibri"/>
+                <a:cs typeface="Calibri"/>
+                <a:sym typeface="Calibri"/>
               </a:rPr>
               <a:t>140014J:	U. M. J. Abeywickrama </a:t>
             </a:r>
             <a:endParaRPr sz="1200">
-              <a:latin typeface="Times New Roman"/>
-              <a:ea typeface="Times New Roman"/>
-              <a:cs typeface="Times New Roman"/>
-              <a:sym typeface="Times New Roman"/>
+              <a:solidFill>
+                <a:srgbClr val="666666"/>
+              </a:solidFill>
+              <a:latin typeface="Calibri"/>
+              <a:ea typeface="Calibri"/>
+              <a:cs typeface="Calibri"/>
+              <a:sym typeface="Calibri"/>
             </a:endParaRPr>
           </a:p>
           <a:p>
@@ -7475,18 +7487,24 @@
             </a:pPr>
             <a:r>
               <a:rPr lang="en-GB" sz="1200">
-                <a:latin typeface="Times New Roman"/>
-                <a:ea typeface="Times New Roman"/>
-                <a:cs typeface="Times New Roman"/>
-                <a:sym typeface="Times New Roman"/>
+                <a:solidFill>
+                  <a:srgbClr val="666666"/>
+                </a:solidFill>
+                <a:latin typeface="Calibri"/>
+                <a:ea typeface="Calibri"/>
+                <a:cs typeface="Calibri"/>
+                <a:sym typeface="Calibri"/>
               </a:rPr>
               <a:t>140024N:	P. T. Amarasinghe </a:t>
             </a:r>
             <a:endParaRPr sz="1200">
-              <a:latin typeface="Times New Roman"/>
-              <a:ea typeface="Times New Roman"/>
-              <a:cs typeface="Times New Roman"/>
-              <a:sym typeface="Times New Roman"/>
+              <a:solidFill>
+                <a:srgbClr val="666666"/>
+              </a:solidFill>
+              <a:latin typeface="Calibri"/>
+              <a:ea typeface="Calibri"/>
+              <a:cs typeface="Calibri"/>
+              <a:sym typeface="Calibri"/>
             </a:endParaRPr>
           </a:p>
           <a:p>
@@ -7504,14 +7522,33 @@
             </a:pPr>
             <a:r>
               <a:rPr lang="en-GB" sz="1200">
+                <a:solidFill>
+                  <a:srgbClr val="666666"/>
+                </a:solidFill>
+                <a:latin typeface="Calibri"/>
+                <a:ea typeface="Calibri"/>
+                <a:cs typeface="Calibri"/>
+                <a:sym typeface="Calibri"/>
+              </a:rPr>
+              <a:t>140323F:	R. P. D. Kumarasinghe</a:t>
+            </a:r>
+            <a:r>
+              <a:rPr lang="en-GB" sz="1200">
+                <a:solidFill>
+                  <a:srgbClr val="666666"/>
+                </a:solidFill>
                 <a:latin typeface="Times New Roman"/>
                 <a:ea typeface="Times New Roman"/>
                 <a:cs typeface="Times New Roman"/>
                 <a:sym typeface="Times New Roman"/>
               </a:rPr>
-              <a:t>140323F:	R. P. D. Kumarasinghe </a:t>
+              <a:t> </a:t>
             </a:r>
-            <a:endParaRPr/>
+            <a:endParaRPr>
+              <a:solidFill>
+                <a:srgbClr val="666666"/>
+              </a:solidFill>
+            </a:endParaRPr>
           </a:p>
         </p:txBody>
       </p:sp>
@@ -7528,7 +7565,7 @@
   <p:cSld>
     <p:spTree>
       <p:nvGrpSpPr>
-        <p:cNvPr id="135" name="Shape 135"/>
+        <p:cNvPr id="137" name="Shape 137"/>
         <p:cNvGrpSpPr/>
         <p:nvPr/>
       </p:nvGrpSpPr>
@@ -7542,7 +7579,7 @@
       </p:grpSpPr>
       <p:sp>
         <p:nvSpPr>
-          <p:cNvPr id="136" name="Google Shape;136;p23"/>
+          <p:cNvPr id="138" name="Google Shape;138;p23"/>
           <p:cNvSpPr txBox="1"/>
           <p:nvPr>
             <p:ph type="title"/>
@@ -7582,7 +7619,7 @@
       </p:sp>
       <p:sp>
         <p:nvSpPr>
-          <p:cNvPr id="137" name="Google Shape;137;p23"/>
+          <p:cNvPr id="139" name="Google Shape;139;p23"/>
           <p:cNvSpPr txBox="1"/>
           <p:nvPr>
             <p:ph idx="1" type="body"/>
@@ -7742,7 +7779,7 @@
       </p:sp>
       <p:sp>
         <p:nvSpPr>
-          <p:cNvPr id="138" name="Google Shape;138;p23"/>
+          <p:cNvPr id="140" name="Google Shape;140;p23"/>
           <p:cNvSpPr txBox="1"/>
           <p:nvPr>
             <p:ph idx="12" type="sldNum"/>
@@ -9990,80 +10027,201 @@
           </a:p>
         </p:txBody>
       </p:sp>
-      <p:pic>
-        <p:nvPicPr>
+      <p:grpSp>
+        <p:nvGrpSpPr>
           <p:cNvPr id="120" name="Google Shape;120;p21"/>
-          <p:cNvPicPr preferRelativeResize="0"/>
+          <p:cNvGrpSpPr/>
           <p:nvPr/>
-        </p:nvPicPr>
-        <p:blipFill>
-          <a:blip r:embed="rId3">
-            <a:alphaModFix/>
-          </a:blip>
-          <a:stretch>
-            <a:fillRect/>
-          </a:stretch>
-        </p:blipFill>
+        </p:nvGrpSpPr>
+        <p:grpSpPr>
+          <a:xfrm>
+            <a:off x="768904" y="1499874"/>
+            <a:ext cx="7553597" cy="2179575"/>
+            <a:chOff x="311700" y="1423725"/>
+            <a:chExt cx="8089961" cy="2769825"/>
+          </a:xfrm>
+        </p:grpSpPr>
+        <p:pic>
+          <p:nvPicPr>
+            <p:cNvPr id="121" name="Google Shape;121;p21"/>
+            <p:cNvPicPr preferRelativeResize="0"/>
+            <p:nvPr/>
+          </p:nvPicPr>
+          <p:blipFill>
+            <a:blip r:embed="rId3">
+              <a:alphaModFix/>
+            </a:blip>
+            <a:stretch>
+              <a:fillRect/>
+            </a:stretch>
+          </p:blipFill>
+          <p:spPr>
+            <a:xfrm>
+              <a:off x="311700" y="1423725"/>
+              <a:ext cx="3908350" cy="2560650"/>
+            </a:xfrm>
+            <a:prstGeom prst="rect">
+              <a:avLst/>
+            </a:prstGeom>
+            <a:noFill/>
+            <a:ln>
+              <a:noFill/>
+            </a:ln>
+          </p:spPr>
+        </p:pic>
+        <p:pic>
+          <p:nvPicPr>
+            <p:cNvPr id="122" name="Google Shape;122;p21"/>
+            <p:cNvPicPr preferRelativeResize="0"/>
+            <p:nvPr/>
+          </p:nvPicPr>
+          <p:blipFill>
+            <a:blip r:embed="rId4">
+              <a:alphaModFix/>
+            </a:blip>
+            <a:stretch>
+              <a:fillRect/>
+            </a:stretch>
+          </p:blipFill>
+          <p:spPr>
+            <a:xfrm>
+              <a:off x="4526236" y="1423725"/>
+              <a:ext cx="3875425" cy="2519026"/>
+            </a:xfrm>
+            <a:prstGeom prst="rect">
+              <a:avLst/>
+            </a:prstGeom>
+            <a:noFill/>
+            <a:ln>
+              <a:noFill/>
+            </a:ln>
+          </p:spPr>
+        </p:pic>
+        <p:sp>
+          <p:nvSpPr>
+            <p:cNvPr id="123" name="Google Shape;123;p21"/>
+            <p:cNvSpPr txBox="1"/>
+            <p:nvPr/>
+          </p:nvSpPr>
+          <p:spPr>
+            <a:xfrm>
+              <a:off x="6317775" y="3849150"/>
+              <a:ext cx="1710600" cy="344400"/>
+            </a:xfrm>
+            <a:prstGeom prst="rect">
+              <a:avLst/>
+            </a:prstGeom>
+            <a:noFill/>
+            <a:ln>
+              <a:noFill/>
+            </a:ln>
+          </p:spPr>
+          <p:txBody>
+            <a:bodyPr anchorCtr="0" anchor="t" bIns="91425" lIns="91425" spcFirstLastPara="1" rIns="91425" wrap="square" tIns="91425">
+              <a:noAutofit/>
+            </a:bodyPr>
+            <a:lstStyle/>
+            <a:p>
+              <a:pPr indent="0" lvl="0" marL="0">
+                <a:spcBef>
+                  <a:spcPts val="0"/>
+                </a:spcBef>
+                <a:spcAft>
+                  <a:spcPts val="0"/>
+                </a:spcAft>
+                <a:buNone/>
+              </a:pPr>
+              <a:r>
+                <a:rPr lang="en-GB" sz="1800">
+                  <a:solidFill>
+                    <a:schemeClr val="dk2"/>
+                  </a:solidFill>
+                  <a:latin typeface="Proxima Nova"/>
+                  <a:ea typeface="Proxima Nova"/>
+                  <a:cs typeface="Proxima Nova"/>
+                  <a:sym typeface="Proxima Nova"/>
+                </a:rPr>
+                <a:t>After</a:t>
+              </a:r>
+              <a:endParaRPr sz="1800">
+                <a:solidFill>
+                  <a:schemeClr val="dk2"/>
+                </a:solidFill>
+                <a:latin typeface="Proxima Nova"/>
+                <a:ea typeface="Proxima Nova"/>
+                <a:cs typeface="Proxima Nova"/>
+                <a:sym typeface="Proxima Nova"/>
+              </a:endParaRPr>
+            </a:p>
+          </p:txBody>
+        </p:sp>
+        <p:sp>
+          <p:nvSpPr>
+            <p:cNvPr id="124" name="Google Shape;124;p21"/>
+            <p:cNvSpPr txBox="1"/>
+            <p:nvPr/>
+          </p:nvSpPr>
+          <p:spPr>
+            <a:xfrm>
+              <a:off x="2090900" y="3849150"/>
+              <a:ext cx="2108400" cy="344400"/>
+            </a:xfrm>
+            <a:prstGeom prst="rect">
+              <a:avLst/>
+            </a:prstGeom>
+            <a:noFill/>
+            <a:ln>
+              <a:noFill/>
+            </a:ln>
+          </p:spPr>
+          <p:txBody>
+            <a:bodyPr anchorCtr="0" anchor="t" bIns="91425" lIns="91425" spcFirstLastPara="1" rIns="91425" wrap="square" tIns="91425">
+              <a:noAutofit/>
+            </a:bodyPr>
+            <a:lstStyle/>
+            <a:p>
+              <a:pPr indent="0" lvl="0" marL="0" rtl="0">
+                <a:spcBef>
+                  <a:spcPts val="0"/>
+                </a:spcBef>
+                <a:spcAft>
+                  <a:spcPts val="0"/>
+                </a:spcAft>
+                <a:buNone/>
+              </a:pPr>
+              <a:r>
+                <a:rPr lang="en-GB" sz="1800">
+                  <a:solidFill>
+                    <a:schemeClr val="dk2"/>
+                  </a:solidFill>
+                  <a:latin typeface="Proxima Nova"/>
+                  <a:ea typeface="Proxima Nova"/>
+                  <a:cs typeface="Proxima Nova"/>
+                  <a:sym typeface="Proxima Nova"/>
+                </a:rPr>
+                <a:t>Before</a:t>
+              </a:r>
+              <a:endParaRPr/>
+            </a:p>
+          </p:txBody>
+        </p:sp>
+      </p:grpSp>
+      <p:sp>
+        <p:nvSpPr>
+          <p:cNvPr id="125" name="Google Shape;125;p21"/>
+          <p:cNvSpPr txBox="1"/>
+          <p:nvPr>
+            <p:ph idx="1" type="body"/>
+          </p:nvPr>
+        </p:nvSpPr>
         <p:spPr>
           <a:xfrm>
-            <a:off x="311700" y="1423725"/>
-            <a:ext cx="3908350" cy="2560650"/>
+            <a:off x="285400" y="4063450"/>
+            <a:ext cx="8187000" cy="882900"/>
           </a:xfrm>
           <a:prstGeom prst="rect">
             <a:avLst/>
           </a:prstGeom>
-          <a:noFill/>
-          <a:ln>
-            <a:noFill/>
-          </a:ln>
-        </p:spPr>
-      </p:pic>
-      <p:pic>
-        <p:nvPicPr>
-          <p:cNvPr id="121" name="Google Shape;121;p21"/>
-          <p:cNvPicPr preferRelativeResize="0"/>
-          <p:nvPr/>
-        </p:nvPicPr>
-        <p:blipFill>
-          <a:blip r:embed="rId4">
-            <a:alphaModFix/>
-          </a:blip>
-          <a:stretch>
-            <a:fillRect/>
-          </a:stretch>
-        </p:blipFill>
-        <p:spPr>
-          <a:xfrm>
-            <a:off x="4444625" y="1423725"/>
-            <a:ext cx="3875425" cy="2519026"/>
-          </a:xfrm>
-          <a:prstGeom prst="rect">
-            <a:avLst/>
-          </a:prstGeom>
-          <a:noFill/>
-          <a:ln>
-            <a:noFill/>
-          </a:ln>
-        </p:spPr>
-      </p:pic>
-      <p:sp>
-        <p:nvSpPr>
-          <p:cNvPr id="122" name="Google Shape;122;p21"/>
-          <p:cNvSpPr txBox="1"/>
-          <p:nvPr/>
-        </p:nvSpPr>
-        <p:spPr>
-          <a:xfrm>
-            <a:off x="6317775" y="4230150"/>
-            <a:ext cx="1710600" cy="700800"/>
-          </a:xfrm>
-          <a:prstGeom prst="rect">
-            <a:avLst/>
-          </a:prstGeom>
-          <a:noFill/>
-          <a:ln>
-            <a:noFill/>
-          </a:ln>
         </p:spPr>
         <p:txBody>
           <a:bodyPr anchorCtr="0" anchor="t" bIns="91425" lIns="91425" spcFirstLastPara="1" rIns="91425" wrap="square" tIns="91425">
@@ -10071,84 +10229,22 @@
           </a:bodyPr>
           <a:lstStyle/>
           <a:p>
-            <a:pPr indent="0" lvl="0" marL="0">
-              <a:spcBef>
-                <a:spcPts val="0"/>
-              </a:spcBef>
-              <a:spcAft>
-                <a:spcPts val="0"/>
+            <a:pPr indent="0" lvl="0" marL="457200" rtl="0" algn="ctr">
+              <a:spcBef>
+                <a:spcPts val="0"/>
+              </a:spcBef>
+              <a:spcAft>
+                <a:spcPts val="1600"/>
               </a:spcAft>
               <a:buNone/>
             </a:pPr>
             <a:r>
-              <a:rPr lang="en-GB" sz="1800">
-                <a:solidFill>
-                  <a:schemeClr val="dk2"/>
-                </a:solidFill>
-                <a:latin typeface="Proxima Nova"/>
-                <a:ea typeface="Proxima Nova"/>
-                <a:cs typeface="Proxima Nova"/>
-                <a:sym typeface="Proxima Nova"/>
-              </a:rPr>
-              <a:t>After</a:t>
+              <a:rPr lang="en-GB"/>
+              <a:t>O</a:t>
             </a:r>
-            <a:endParaRPr sz="1800">
-              <a:solidFill>
-                <a:schemeClr val="dk2"/>
-              </a:solidFill>
-              <a:latin typeface="Proxima Nova"/>
-              <a:ea typeface="Proxima Nova"/>
-              <a:cs typeface="Proxima Nova"/>
-              <a:sym typeface="Proxima Nova"/>
-            </a:endParaRPr>
-          </a:p>
-        </p:txBody>
-      </p:sp>
-      <p:sp>
-        <p:nvSpPr>
-          <p:cNvPr id="123" name="Google Shape;123;p21"/>
-          <p:cNvSpPr txBox="1"/>
-          <p:nvPr/>
-        </p:nvSpPr>
-        <p:spPr>
-          <a:xfrm>
-            <a:off x="2090900" y="4230150"/>
-            <a:ext cx="2108400" cy="700800"/>
-          </a:xfrm>
-          <a:prstGeom prst="rect">
-            <a:avLst/>
-          </a:prstGeom>
-          <a:noFill/>
-          <a:ln>
-            <a:noFill/>
-          </a:ln>
-        </p:spPr>
-        <p:txBody>
-          <a:bodyPr anchorCtr="0" anchor="t" bIns="91425" lIns="91425" spcFirstLastPara="1" rIns="91425" wrap="square" tIns="91425">
-            <a:noAutofit/>
-          </a:bodyPr>
-          <a:lstStyle/>
-          <a:p>
-            <a:pPr indent="0" lvl="0" marL="0" rtl="0">
-              <a:spcBef>
-                <a:spcPts val="0"/>
-              </a:spcBef>
-              <a:spcAft>
-                <a:spcPts val="0"/>
-              </a:spcAft>
-              <a:buNone/>
-            </a:pPr>
             <a:r>
-              <a:rPr lang="en-GB" sz="1800">
-                <a:solidFill>
-                  <a:schemeClr val="dk2"/>
-                </a:solidFill>
-                <a:latin typeface="Proxima Nova"/>
-                <a:ea typeface="Proxima Nova"/>
-                <a:cs typeface="Proxima Nova"/>
-                <a:sym typeface="Proxima Nova"/>
-              </a:rPr>
-              <a:t>Before</a:t>
+              <a:rPr lang="en-GB"/>
+              <a:t>versampling of the minority classes helped to remove the skewness from the dataset.</a:t>
             </a:r>
             <a:endParaRPr/>
           </a:p>
@@ -10167,7 +10263,7 @@
   <p:cSld>
     <p:spTree>
       <p:nvGrpSpPr>
-        <p:cNvPr id="127" name="Shape 127"/>
+        <p:cNvPr id="129" name="Shape 129"/>
         <p:cNvGrpSpPr/>
         <p:nvPr/>
       </p:nvGrpSpPr>
@@ -10181,7 +10277,7 @@
       </p:grpSpPr>
       <p:sp>
         <p:nvSpPr>
-          <p:cNvPr id="128" name="Google Shape;128;p22"/>
+          <p:cNvPr id="130" name="Google Shape;130;p22"/>
           <p:cNvSpPr txBox="1"/>
           <p:nvPr>
             <p:ph type="title"/>
@@ -10221,7 +10317,7 @@
       </p:sp>
       <p:sp>
         <p:nvSpPr>
-          <p:cNvPr id="129" name="Google Shape;129;p22"/>
+          <p:cNvPr id="131" name="Google Shape;131;p22"/>
           <p:cNvSpPr txBox="1"/>
           <p:nvPr>
             <p:ph idx="1" type="body"/>
@@ -10313,7 +10409,7 @@
       </p:sp>
       <p:sp>
         <p:nvSpPr>
-          <p:cNvPr id="130" name="Google Shape;130;p22"/>
+          <p:cNvPr id="132" name="Google Shape;132;p22"/>
           <p:cNvSpPr txBox="1"/>
           <p:nvPr>
             <p:ph idx="12" type="sldNum"/>
@@ -10353,7 +10449,7 @@
       </p:sp>
       <p:graphicFrame>
         <p:nvGraphicFramePr>
-          <p:cNvPr id="131" name="Google Shape;131;p22"/>
+          <p:cNvPr id="133" name="Google Shape;133;p22"/>
           <p:cNvGraphicFramePr/>
           <p:nvPr/>
         </p:nvGraphicFramePr>
@@ -10366,7 +10462,7 @@
             <a:tbl>
               <a:tblPr>
                 <a:noFill/>
-                <a:tableStyleId>{CE1FECB0-CF15-44B6-B7F6-EAD88D25C352}</a:tableStyleId>
+                <a:tableStyleId>{26B69679-86E6-4243-BC52-47237603B024}</a:tableStyleId>
               </a:tblPr>
               <a:tblGrid>
                 <a:gridCol w="3619500"/>

--- a/Final Presentation.pptx
+++ b/Final Presentation.pptx
@@ -313,6 +313,7 @@
             <a:ext cx="6096075" cy="3429000"/>
           </a:xfrm>
           <a:custGeom>
+            <a:rect b="b" l="l" r="r" t="t"/>
             <a:pathLst>
               <a:path extrusionOk="0" h="120000" w="120000">
                 <a:moveTo>
@@ -736,6 +737,7 @@
             <a:ext cx="6096075" cy="3429000"/>
           </a:xfrm>
           <a:custGeom>
+            <a:rect b="b" l="l" r="r" t="t"/>
             <a:pathLst>
               <a:path extrusionOk="0" h="120000" w="120000">
                 <a:moveTo>
@@ -808,7 +810,7 @@
   <p:cSld>
     <p:spTree>
       <p:nvGrpSpPr>
-        <p:cNvPr id="134" name="Shape 134"/>
+        <p:cNvPr id="137" name="Shape 137"/>
         <p:cNvGrpSpPr/>
         <p:nvPr/>
       </p:nvGrpSpPr>
@@ -822,7 +824,7 @@
       </p:grpSpPr>
       <p:sp>
         <p:nvSpPr>
-          <p:cNvPr id="135" name="Google Shape;135;g3e55d52ca4_4_6:notes"/>
+          <p:cNvPr id="138" name="Google Shape;138;g3e55d52ca4_4_6:notes"/>
           <p:cNvSpPr/>
           <p:nvPr>
             <p:ph idx="2" type="sldImg"/>
@@ -834,6 +836,7 @@
             <a:ext cx="6096000" cy="3429000"/>
           </a:xfrm>
           <a:custGeom>
+            <a:rect b="b" l="l" r="r" t="t"/>
             <a:pathLst>
               <a:path extrusionOk="0" h="120000" w="120000">
                 <a:moveTo>
@@ -856,7 +859,7 @@
       </p:sp>
       <p:sp>
         <p:nvSpPr>
-          <p:cNvPr id="136" name="Google Shape;136;g3e55d52ca4_4_6:notes"/>
+          <p:cNvPr id="139" name="Google Shape;139;g3e55d52ca4_4_6:notes"/>
           <p:cNvSpPr txBox="1"/>
           <p:nvPr>
             <p:ph idx="1" type="body"/>
@@ -932,6 +935,7 @@
             <a:ext cx="6096000" cy="3429000"/>
           </a:xfrm>
           <a:custGeom>
+            <a:rect b="b" l="l" r="r" t="t"/>
             <a:pathLst>
               <a:path extrusionOk="0" h="120000" w="120000">
                 <a:moveTo>
@@ -1030,6 +1034,7 @@
             <a:ext cx="6096000" cy="3429000"/>
           </a:xfrm>
           <a:custGeom>
+            <a:rect b="b" l="l" r="r" t="t"/>
             <a:pathLst>
               <a:path extrusionOk="0" h="120000" w="120000">
                 <a:moveTo>
@@ -1128,6 +1133,7 @@
             <a:ext cx="6096000" cy="3429000"/>
           </a:xfrm>
           <a:custGeom>
+            <a:rect b="b" l="l" r="r" t="t"/>
             <a:pathLst>
               <a:path extrusionOk="0" h="120000" w="120000">
                 <a:moveTo>
@@ -1226,6 +1232,7 @@
             <a:ext cx="6096000" cy="3429000"/>
           </a:xfrm>
           <a:custGeom>
+            <a:rect b="b" l="l" r="r" t="t"/>
             <a:pathLst>
               <a:path extrusionOk="0" h="120000" w="120000">
                 <a:moveTo>
@@ -1324,6 +1331,7 @@
             <a:ext cx="6096000" cy="3429000"/>
           </a:xfrm>
           <a:custGeom>
+            <a:rect b="b" l="l" r="r" t="t"/>
             <a:pathLst>
               <a:path extrusionOk="0" h="120000" w="120000">
                 <a:moveTo>
@@ -1422,6 +1430,7 @@
             <a:ext cx="6096000" cy="3429000"/>
           </a:xfrm>
           <a:custGeom>
+            <a:rect b="b" l="l" r="r" t="t"/>
             <a:pathLst>
               <a:path extrusionOk="0" h="120000" w="120000">
                 <a:moveTo>
@@ -1520,6 +1529,7 @@
             <a:ext cx="6096000" cy="3429000"/>
           </a:xfrm>
           <a:custGeom>
+            <a:rect b="b" l="l" r="r" t="t"/>
             <a:pathLst>
               <a:path extrusionOk="0" h="120000" w="120000">
                 <a:moveTo>
@@ -1618,6 +1628,7 @@
             <a:ext cx="6096000" cy="3429000"/>
           </a:xfrm>
           <a:custGeom>
+            <a:rect b="b" l="l" r="r" t="t"/>
             <a:pathLst>
               <a:path extrusionOk="0" h="120000" w="120000">
                 <a:moveTo>
@@ -7565,7 +7576,7 @@
   <p:cSld>
     <p:spTree>
       <p:nvGrpSpPr>
-        <p:cNvPr id="137" name="Shape 137"/>
+        <p:cNvPr id="140" name="Shape 140"/>
         <p:cNvGrpSpPr/>
         <p:nvPr/>
       </p:nvGrpSpPr>
@@ -7579,7 +7590,7 @@
       </p:grpSpPr>
       <p:sp>
         <p:nvSpPr>
-          <p:cNvPr id="138" name="Google Shape;138;p23"/>
+          <p:cNvPr id="141" name="Google Shape;141;p23"/>
           <p:cNvSpPr txBox="1"/>
           <p:nvPr>
             <p:ph type="title"/>
@@ -7619,7 +7630,7 @@
       </p:sp>
       <p:sp>
         <p:nvSpPr>
-          <p:cNvPr id="139" name="Google Shape;139;p23"/>
+          <p:cNvPr id="142" name="Google Shape;142;p23"/>
           <p:cNvSpPr txBox="1"/>
           <p:nvPr>
             <p:ph idx="1" type="body"/>
@@ -7779,7 +7790,7 @@
       </p:sp>
       <p:sp>
         <p:nvSpPr>
-          <p:cNvPr id="140" name="Google Shape;140;p23"/>
+          <p:cNvPr id="143" name="Google Shape;143;p23"/>
           <p:cNvSpPr txBox="1"/>
           <p:nvPr>
             <p:ph idx="12" type="sldNum"/>
@@ -8744,14 +8755,25 @@
               <a:spcAft>
                 <a:spcPts val="0"/>
               </a:spcAft>
+              <a:buClr>
+                <a:srgbClr val="4A86E8"/>
+              </a:buClr>
               <a:buSzPts val="1400"/>
               <a:buChar char="○"/>
             </a:pPr>
             <a:r>
-              <a:rPr lang="en-GB"/>
+              <a:rPr lang="en-GB">
+                <a:solidFill>
+                  <a:srgbClr val="4A86E8"/>
+                </a:solidFill>
+              </a:rPr>
               <a:t>acceX, acceX_raw, acceY, acceY_raw, acceZ, acceZ_raw, Anomaly, gpsSpeed</a:t>
             </a:r>
-            <a:endParaRPr/>
+            <a:endParaRPr>
+              <a:solidFill>
+                <a:srgbClr val="4A86E8"/>
+              </a:solidFill>
+            </a:endParaRPr>
           </a:p>
           <a:p>
             <a:pPr indent="0" lvl="0" marL="0" rtl="0">
@@ -9154,7 +9176,7 @@
                 <a:cs typeface="Proxima Nova"/>
                 <a:sym typeface="Proxima Nova"/>
               </a:rPr>
-              <a:t>dataType	</a:t>
+              <a:t>dataTyp	</a:t>
             </a:r>
             <a:endParaRPr sz="1800">
               <a:solidFill>
@@ -9981,7 +10003,7 @@
             </a:pPr>
             <a:r>
               <a:rPr lang="en-GB"/>
-              <a:t>Oversampling</a:t>
+              <a:t>Oversampling with SMOTE</a:t>
             </a:r>
             <a:endParaRPr/>
           </a:p>
@@ -10216,8 +10238,8 @@
         </p:nvSpPr>
         <p:spPr>
           <a:xfrm>
-            <a:off x="285400" y="4063450"/>
-            <a:ext cx="8187000" cy="882900"/>
+            <a:off x="285400" y="3911050"/>
+            <a:ext cx="8458500" cy="1052700"/>
           </a:xfrm>
           <a:prstGeom prst="rect">
             <a:avLst/>
@@ -10229,22 +10251,56 @@
           </a:bodyPr>
           <a:lstStyle/>
           <a:p>
-            <a:pPr indent="0" lvl="0" marL="457200" rtl="0" algn="ctr">
-              <a:spcBef>
-                <a:spcPts val="0"/>
-              </a:spcBef>
-              <a:spcAft>
-                <a:spcPts val="1600"/>
-              </a:spcAft>
-              <a:buNone/>
+            <a:pPr indent="-342900" lvl="0" marL="457200" rtl="0">
+              <a:spcBef>
+                <a:spcPts val="0"/>
+              </a:spcBef>
+              <a:spcAft>
+                <a:spcPts val="0"/>
+              </a:spcAft>
+              <a:buSzPts val="1800"/>
+              <a:buChar char="●"/>
             </a:pPr>
             <a:r>
               <a:rPr lang="en-GB"/>
-              <a:t>O</a:t>
+              <a:t>Random Oversampling </a:t>
             </a:r>
             <a:r>
               <a:rPr lang="en-GB"/>
-              <a:t>versampling of the minority classes helped to remove the skewness from the dataset.</a:t>
+              <a:t>could</a:t>
+            </a:r>
+            <a:r>
+              <a:rPr lang="en-GB"/>
+              <a:t> cause overfitting of the model. </a:t>
+            </a:r>
+            <a:endParaRPr/>
+          </a:p>
+          <a:p>
+            <a:pPr indent="-342900" lvl="0" marL="457200" rtl="0">
+              <a:spcBef>
+                <a:spcPts val="0"/>
+              </a:spcBef>
+              <a:spcAft>
+                <a:spcPts val="0"/>
+              </a:spcAft>
+              <a:buSzPts val="1800"/>
+              <a:buChar char="●"/>
+            </a:pPr>
+            <a:r>
+              <a:rPr lang="en-GB"/>
+              <a:t>Applying </a:t>
+            </a:r>
+            <a:r>
+              <a:rPr lang="en-GB"/>
+              <a:t>Synthetic Minority </a:t>
+            </a:r>
+            <a:r>
+              <a:rPr lang="en-GB"/>
+              <a:t>Oversampling</a:t>
+            </a:r>
+            <a:r>
+              <a:rPr lang="en-GB"/>
+              <a:t> Technique for the minority classes helped to remove the skewness from the dataset without overfitting.</a:t>
             </a:r>
             <a:endParaRPr/>
           </a:p>
@@ -10325,8 +10381,8 @@
         </p:nvSpPr>
         <p:spPr>
           <a:xfrm>
-            <a:off x="311700" y="1152475"/>
-            <a:ext cx="8520600" cy="3416400"/>
+            <a:off x="311700" y="1000075"/>
+            <a:ext cx="8520600" cy="1400700"/>
           </a:xfrm>
           <a:prstGeom prst="rect">
             <a:avLst/>
@@ -10354,7 +10410,15 @@
             </a:r>
             <a:r>
               <a:rPr lang="en-GB"/>
-              <a:t>ouldn’t use an approach like ‘train_test_split’ due to characteristics of the dataset.</a:t>
+              <a:t>ouldn’t use an approach like ‘train_test_split’ due to characteristics of </a:t>
+            </a:r>
+            <a:r>
+              <a:rPr lang="en-GB"/>
+              <a:t>the</a:t>
+            </a:r>
+            <a:r>
+              <a:rPr lang="en-GB"/>
+              <a:t> dataset.</a:t>
             </a:r>
             <a:endParaRPr/>
           </a:p>
@@ -10454,7 +10518,7 @@
           <p:nvPr/>
         </p:nvGraphicFramePr>
         <p:xfrm>
-          <a:off x="952500" y="2571750"/>
+          <a:off x="4872050" y="2495550"/>
           <a:ext cx="3000000" cy="3000000"/>
         </p:xfrm>
         <a:graphic>
@@ -10462,11 +10526,11 @@
             <a:tbl>
               <a:tblPr>
                 <a:noFill/>
-                <a:tableStyleId>{26B69679-86E6-4243-BC52-47237603B024}</a:tableStyleId>
+                <a:tableStyleId>{5E94C4F1-D3A3-4708-8707-5AB2AAF5E63D}</a:tableStyleId>
               </a:tblPr>
               <a:tblGrid>
-                <a:gridCol w="3619500"/>
-                <a:gridCol w="3619500"/>
+                <a:gridCol w="1584075"/>
+                <a:gridCol w="1798375"/>
               </a:tblGrid>
               <a:tr h="341575">
                 <a:tc>
@@ -10583,13 +10647,13 @@
                         <a:buNone/>
                       </a:pPr>
                       <a:r>
-                        <a:rPr lang="en-GB" sz="1200">
+                        <a:rPr lang="en-GB">
                           <a:latin typeface="Times New Roman"/>
                           <a:ea typeface="Times New Roman"/>
                           <a:cs typeface="Times New Roman"/>
                           <a:sym typeface="Times New Roman"/>
                         </a:rPr>
-                        <a:t>0.9433230783797691</a:t>
+                        <a:t>0.4478605935127674</a:t>
                       </a:r>
                       <a:endParaRPr>
                         <a:latin typeface="Times New Roman"/>
@@ -10655,13 +10719,13 @@
                         <a:buNone/>
                       </a:pPr>
                       <a:r>
-                        <a:rPr lang="en-GB" sz="1200">
+                        <a:rPr lang="en-GB">
                           <a:latin typeface="Times New Roman"/>
                           <a:ea typeface="Times New Roman"/>
                           <a:cs typeface="Times New Roman"/>
                           <a:sym typeface="Times New Roman"/>
                         </a:rPr>
-                        <a:t>0.9473578854791478</a:t>
+                        <a:t>0.7448809523809524</a:t>
                       </a:r>
                       <a:endParaRPr>
                         <a:latin typeface="Times New Roman"/>
@@ -10727,7 +10791,7 @@
                         <a:buNone/>
                       </a:pPr>
                       <a:r>
-                        <a:rPr lang="en-GB" sz="1200">
+                        <a:rPr lang="en-GB">
                           <a:highlight>
                             <a:srgbClr val="FFFFFF"/>
                           </a:highlight>
@@ -10736,9 +10800,12 @@
                           <a:cs typeface="Times New Roman"/>
                           <a:sym typeface="Times New Roman"/>
                         </a:rPr>
-                        <a:t>0.9482874036485389</a:t>
+                        <a:t>0.7252272727272726</a:t>
                       </a:r>
-                      <a:endParaRPr sz="1200">
+                      <a:endParaRPr>
+                        <a:highlight>
+                          <a:srgbClr val="FFFFFF"/>
+                        </a:highlight>
                         <a:latin typeface="Times New Roman"/>
                         <a:ea typeface="Times New Roman"/>
                         <a:cs typeface="Times New Roman"/>
@@ -10802,7 +10869,7 @@
                         <a:buNone/>
                       </a:pPr>
                       <a:r>
-                        <a:rPr lang="en-GB" sz="1200">
+                        <a:rPr lang="en-GB">
                           <a:highlight>
                             <a:srgbClr val="FFFFFF"/>
                           </a:highlight>
@@ -10811,9 +10878,12 @@
                           <a:cs typeface="Times New Roman"/>
                           <a:sym typeface="Times New Roman"/>
                         </a:rPr>
-                        <a:t>0.9537572603927743</a:t>
+                        <a:t>0.7857142857142857</a:t>
                       </a:r>
-                      <a:endParaRPr sz="1200">
+                      <a:endParaRPr>
+                        <a:highlight>
+                          <a:srgbClr val="FFFFFF"/>
+                        </a:highlight>
                         <a:latin typeface="Times New Roman"/>
                         <a:ea typeface="Times New Roman"/>
                         <a:cs typeface="Times New Roman"/>
@@ -10828,6 +10898,497 @@
           </a:graphicData>
         </a:graphic>
       </p:graphicFrame>
+      <p:graphicFrame>
+        <p:nvGraphicFramePr>
+          <p:cNvPr id="134" name="Google Shape;134;p22"/>
+          <p:cNvGraphicFramePr/>
+          <p:nvPr/>
+        </p:nvGraphicFramePr>
+        <p:xfrm>
+          <a:off x="876300" y="2495550"/>
+          <a:ext cx="3000000" cy="3000000"/>
+        </p:xfrm>
+        <a:graphic>
+          <a:graphicData uri="http://schemas.openxmlformats.org/drawingml/2006/table">
+            <a:tbl>
+              <a:tblPr>
+                <a:noFill/>
+                <a:tableStyleId>{5E94C4F1-D3A3-4708-8707-5AB2AAF5E63D}</a:tableStyleId>
+              </a:tblPr>
+              <a:tblGrid>
+                <a:gridCol w="1727625"/>
+                <a:gridCol w="1804800"/>
+              </a:tblGrid>
+              <a:tr h="341575">
+                <a:tc>
+                  <a:txBody>
+                    <a:bodyPr>
+                      <a:noAutofit/>
+                    </a:bodyPr>
+                    <a:lstStyle/>
+                    <a:p>
+                      <a:pPr indent="0" lvl="0" marL="0" rtl="0">
+                        <a:spcBef>
+                          <a:spcPts val="0"/>
+                        </a:spcBef>
+                        <a:spcAft>
+                          <a:spcPts val="0"/>
+                        </a:spcAft>
+                        <a:buNone/>
+                      </a:pPr>
+                      <a:r>
+                        <a:rPr b="1" lang="en-GB" sz="1200">
+                          <a:latin typeface="Times New Roman"/>
+                          <a:ea typeface="Times New Roman"/>
+                          <a:cs typeface="Times New Roman"/>
+                          <a:sym typeface="Times New Roman"/>
+                        </a:rPr>
+                        <a:t>Number of folds for cross validation</a:t>
+                      </a:r>
+                      <a:endParaRPr b="1"/>
+                    </a:p>
+                  </a:txBody>
+                  <a:tcPr marT="91425" marB="91425" marR="91425" marL="91425"/>
+                </a:tc>
+                <a:tc>
+                  <a:txBody>
+                    <a:bodyPr>
+                      <a:noAutofit/>
+                    </a:bodyPr>
+                    <a:lstStyle/>
+                    <a:p>
+                      <a:pPr indent="0" lvl="0" marL="0" rtl="0">
+                        <a:spcBef>
+                          <a:spcPts val="0"/>
+                        </a:spcBef>
+                        <a:spcAft>
+                          <a:spcPts val="0"/>
+                        </a:spcAft>
+                        <a:buNone/>
+                      </a:pPr>
+                      <a:r>
+                        <a:rPr b="1" lang="en-GB" sz="1200">
+                          <a:latin typeface="Times New Roman"/>
+                          <a:ea typeface="Times New Roman"/>
+                          <a:cs typeface="Times New Roman"/>
+                          <a:sym typeface="Times New Roman"/>
+                        </a:rPr>
+                        <a:t>Mean of cross validation scores</a:t>
+                      </a:r>
+                      <a:endParaRPr b="1"/>
+                    </a:p>
+                  </a:txBody>
+                  <a:tcPr marT="91425" marB="91425" marR="91425" marL="91425"/>
+                </a:tc>
+              </a:tr>
+              <a:tr h="341575">
+                <a:tc>
+                  <a:txBody>
+                    <a:bodyPr>
+                      <a:noAutofit/>
+                    </a:bodyPr>
+                    <a:lstStyle/>
+                    <a:p>
+                      <a:pPr indent="0" lvl="0" marL="0" rtl="0">
+                        <a:spcBef>
+                          <a:spcPts val="0"/>
+                        </a:spcBef>
+                        <a:spcAft>
+                          <a:spcPts val="0"/>
+                        </a:spcAft>
+                        <a:buNone/>
+                      </a:pPr>
+                      <a:r>
+                        <a:rPr lang="en-GB">
+                          <a:latin typeface="Times New Roman"/>
+                          <a:ea typeface="Times New Roman"/>
+                          <a:cs typeface="Times New Roman"/>
+                          <a:sym typeface="Times New Roman"/>
+                        </a:rPr>
+                        <a:t>3</a:t>
+                      </a:r>
+                      <a:endParaRPr>
+                        <a:latin typeface="Times New Roman"/>
+                        <a:ea typeface="Times New Roman"/>
+                        <a:cs typeface="Times New Roman"/>
+                        <a:sym typeface="Times New Roman"/>
+                      </a:endParaRPr>
+                    </a:p>
+                  </a:txBody>
+                  <a:tcPr marT="91425" marB="91425" marR="91425" marL="91425"/>
+                </a:tc>
+                <a:tc>
+                  <a:txBody>
+                    <a:bodyPr>
+                      <a:noAutofit/>
+                    </a:bodyPr>
+                    <a:lstStyle/>
+                    <a:p>
+                      <a:pPr indent="0" lvl="0" marL="0" rtl="0">
+                        <a:spcBef>
+                          <a:spcPts val="0"/>
+                        </a:spcBef>
+                        <a:spcAft>
+                          <a:spcPts val="0"/>
+                        </a:spcAft>
+                        <a:buNone/>
+                      </a:pPr>
+                      <a:r>
+                        <a:rPr lang="en-GB">
+                          <a:latin typeface="Times New Roman"/>
+                          <a:ea typeface="Times New Roman"/>
+                          <a:cs typeface="Times New Roman"/>
+                          <a:sym typeface="Times New Roman"/>
+                        </a:rPr>
+                        <a:t>0.883291389624155</a:t>
+                      </a:r>
+                      <a:endParaRPr>
+                        <a:latin typeface="Times New Roman"/>
+                        <a:ea typeface="Times New Roman"/>
+                        <a:cs typeface="Times New Roman"/>
+                        <a:sym typeface="Times New Roman"/>
+                      </a:endParaRPr>
+                    </a:p>
+                  </a:txBody>
+                  <a:tcPr marT="91425" marB="91425" marR="91425" marL="91425"/>
+                </a:tc>
+              </a:tr>
+              <a:tr h="341575">
+                <a:tc>
+                  <a:txBody>
+                    <a:bodyPr>
+                      <a:noAutofit/>
+                    </a:bodyPr>
+                    <a:lstStyle/>
+                    <a:p>
+                      <a:pPr indent="0" lvl="0" marL="0" rtl="0">
+                        <a:spcBef>
+                          <a:spcPts val="0"/>
+                        </a:spcBef>
+                        <a:spcAft>
+                          <a:spcPts val="0"/>
+                        </a:spcAft>
+                        <a:buNone/>
+                      </a:pPr>
+                      <a:r>
+                        <a:rPr lang="en-GB">
+                          <a:latin typeface="Times New Roman"/>
+                          <a:ea typeface="Times New Roman"/>
+                          <a:cs typeface="Times New Roman"/>
+                          <a:sym typeface="Times New Roman"/>
+                        </a:rPr>
+                        <a:t>10</a:t>
+                      </a:r>
+                      <a:endParaRPr>
+                        <a:latin typeface="Times New Roman"/>
+                        <a:ea typeface="Times New Roman"/>
+                        <a:cs typeface="Times New Roman"/>
+                        <a:sym typeface="Times New Roman"/>
+                      </a:endParaRPr>
+                    </a:p>
+                  </a:txBody>
+                  <a:tcPr marT="91425" marB="91425" marR="91425" marL="91425"/>
+                </a:tc>
+                <a:tc>
+                  <a:txBody>
+                    <a:bodyPr>
+                      <a:noAutofit/>
+                    </a:bodyPr>
+                    <a:lstStyle/>
+                    <a:p>
+                      <a:pPr indent="0" lvl="0" marL="0" rtl="0">
+                        <a:spcBef>
+                          <a:spcPts val="0"/>
+                        </a:spcBef>
+                        <a:spcAft>
+                          <a:spcPts val="0"/>
+                        </a:spcAft>
+                        <a:buNone/>
+                      </a:pPr>
+                      <a:r>
+                        <a:rPr lang="en-GB">
+                          <a:latin typeface="Times New Roman"/>
+                          <a:ea typeface="Times New Roman"/>
+                          <a:cs typeface="Times New Roman"/>
+                          <a:sym typeface="Times New Roman"/>
+                        </a:rPr>
+                        <a:t>0.9021864554725255</a:t>
+                      </a:r>
+                      <a:endParaRPr>
+                        <a:latin typeface="Times New Roman"/>
+                        <a:ea typeface="Times New Roman"/>
+                        <a:cs typeface="Times New Roman"/>
+                        <a:sym typeface="Times New Roman"/>
+                      </a:endParaRPr>
+                    </a:p>
+                  </a:txBody>
+                  <a:tcPr marT="91425" marB="91425" marR="91425" marL="91425"/>
+                </a:tc>
+              </a:tr>
+              <a:tr h="341575">
+                <a:tc>
+                  <a:txBody>
+                    <a:bodyPr>
+                      <a:noAutofit/>
+                    </a:bodyPr>
+                    <a:lstStyle/>
+                    <a:p>
+                      <a:pPr indent="0" lvl="0" marL="0" rtl="0">
+                        <a:spcBef>
+                          <a:spcPts val="0"/>
+                        </a:spcBef>
+                        <a:spcAft>
+                          <a:spcPts val="0"/>
+                        </a:spcAft>
+                        <a:buNone/>
+                      </a:pPr>
+                      <a:r>
+                        <a:rPr lang="en-GB">
+                          <a:latin typeface="Times New Roman"/>
+                          <a:ea typeface="Times New Roman"/>
+                          <a:cs typeface="Times New Roman"/>
+                          <a:sym typeface="Times New Roman"/>
+                        </a:rPr>
+                        <a:t>20</a:t>
+                      </a:r>
+                      <a:endParaRPr>
+                        <a:latin typeface="Times New Roman"/>
+                        <a:ea typeface="Times New Roman"/>
+                        <a:cs typeface="Times New Roman"/>
+                        <a:sym typeface="Times New Roman"/>
+                      </a:endParaRPr>
+                    </a:p>
+                  </a:txBody>
+                  <a:tcPr marT="91425" marB="91425" marR="91425" marL="91425"/>
+                </a:tc>
+                <a:tc>
+                  <a:txBody>
+                    <a:bodyPr>
+                      <a:noAutofit/>
+                    </a:bodyPr>
+                    <a:lstStyle/>
+                    <a:p>
+                      <a:pPr indent="0" lvl="0" marL="0" rtl="0">
+                        <a:spcBef>
+                          <a:spcPts val="0"/>
+                        </a:spcBef>
+                        <a:spcAft>
+                          <a:spcPts val="0"/>
+                        </a:spcAft>
+                        <a:buNone/>
+                      </a:pPr>
+                      <a:r>
+                        <a:rPr lang="en-GB">
+                          <a:highlight>
+                            <a:srgbClr val="FFFFFF"/>
+                          </a:highlight>
+                          <a:latin typeface="Times New Roman"/>
+                          <a:ea typeface="Times New Roman"/>
+                          <a:cs typeface="Times New Roman"/>
+                          <a:sym typeface="Times New Roman"/>
+                        </a:rPr>
+                        <a:t>0.9077646209999152</a:t>
+                      </a:r>
+                      <a:endParaRPr>
+                        <a:highlight>
+                          <a:srgbClr val="FFFFFF"/>
+                        </a:highlight>
+                        <a:latin typeface="Times New Roman"/>
+                        <a:ea typeface="Times New Roman"/>
+                        <a:cs typeface="Times New Roman"/>
+                        <a:sym typeface="Times New Roman"/>
+                      </a:endParaRPr>
+                    </a:p>
+                  </a:txBody>
+                  <a:tcPr marT="91425" marB="91425" marR="91425" marL="91425"/>
+                </a:tc>
+              </a:tr>
+              <a:tr h="341575">
+                <a:tc>
+                  <a:txBody>
+                    <a:bodyPr>
+                      <a:noAutofit/>
+                    </a:bodyPr>
+                    <a:lstStyle/>
+                    <a:p>
+                      <a:pPr indent="0" lvl="0" marL="0" rtl="0">
+                        <a:spcBef>
+                          <a:spcPts val="0"/>
+                        </a:spcBef>
+                        <a:spcAft>
+                          <a:spcPts val="0"/>
+                        </a:spcAft>
+                        <a:buNone/>
+                      </a:pPr>
+                      <a:r>
+                        <a:rPr lang="en-GB">
+                          <a:latin typeface="Times New Roman"/>
+                          <a:ea typeface="Times New Roman"/>
+                          <a:cs typeface="Times New Roman"/>
+                          <a:sym typeface="Times New Roman"/>
+                        </a:rPr>
+                        <a:t>30</a:t>
+                      </a:r>
+                      <a:endParaRPr>
+                        <a:latin typeface="Times New Roman"/>
+                        <a:ea typeface="Times New Roman"/>
+                        <a:cs typeface="Times New Roman"/>
+                        <a:sym typeface="Times New Roman"/>
+                      </a:endParaRPr>
+                    </a:p>
+                  </a:txBody>
+                  <a:tcPr marT="91425" marB="91425" marR="91425" marL="91425"/>
+                </a:tc>
+                <a:tc>
+                  <a:txBody>
+                    <a:bodyPr>
+                      <a:noAutofit/>
+                    </a:bodyPr>
+                    <a:lstStyle/>
+                    <a:p>
+                      <a:pPr indent="0" lvl="0" marL="0" rtl="0">
+                        <a:spcBef>
+                          <a:spcPts val="0"/>
+                        </a:spcBef>
+                        <a:spcAft>
+                          <a:spcPts val="0"/>
+                        </a:spcAft>
+                        <a:buNone/>
+                      </a:pPr>
+                      <a:r>
+                        <a:rPr lang="en-GB">
+                          <a:highlight>
+                            <a:srgbClr val="FFFFFF"/>
+                          </a:highlight>
+                          <a:latin typeface="Times New Roman"/>
+                          <a:ea typeface="Times New Roman"/>
+                          <a:cs typeface="Times New Roman"/>
+                          <a:sym typeface="Times New Roman"/>
+                        </a:rPr>
+                        <a:t>0.9094855849567444</a:t>
+                      </a:r>
+                      <a:endParaRPr>
+                        <a:highlight>
+                          <a:srgbClr val="FFFFFF"/>
+                        </a:highlight>
+                        <a:latin typeface="Times New Roman"/>
+                        <a:ea typeface="Times New Roman"/>
+                        <a:cs typeface="Times New Roman"/>
+                        <a:sym typeface="Times New Roman"/>
+                      </a:endParaRPr>
+                    </a:p>
+                  </a:txBody>
+                  <a:tcPr marT="91425" marB="91425" marR="91425" marL="91425"/>
+                </a:tc>
+              </a:tr>
+            </a:tbl>
+          </a:graphicData>
+        </a:graphic>
+      </p:graphicFrame>
+      <p:sp>
+        <p:nvSpPr>
+          <p:cNvPr id="135" name="Google Shape;135;p22"/>
+          <p:cNvSpPr txBox="1"/>
+          <p:nvPr/>
+        </p:nvSpPr>
+        <p:spPr>
+          <a:xfrm>
+            <a:off x="1576375" y="4571450"/>
+            <a:ext cx="3594300" cy="333000"/>
+          </a:xfrm>
+          <a:prstGeom prst="rect">
+            <a:avLst/>
+          </a:prstGeom>
+          <a:noFill/>
+          <a:ln>
+            <a:noFill/>
+          </a:ln>
+        </p:spPr>
+        <p:txBody>
+          <a:bodyPr anchorCtr="0" anchor="t" bIns="91425" lIns="91425" spcFirstLastPara="1" rIns="91425" wrap="square" tIns="91425">
+            <a:noAutofit/>
+          </a:bodyPr>
+          <a:lstStyle/>
+          <a:p>
+            <a:pPr indent="0" lvl="0" marL="0">
+              <a:spcBef>
+                <a:spcPts val="0"/>
+              </a:spcBef>
+              <a:spcAft>
+                <a:spcPts val="0"/>
+              </a:spcAft>
+              <a:buNone/>
+            </a:pPr>
+            <a:r>
+              <a:rPr lang="en-GB"/>
+              <a:t>gpsSpeed </a:t>
+            </a:r>
+            <a:r>
+              <a:rPr lang="en-GB" sz="1000"/>
+              <a:t>vs</a:t>
+            </a:r>
+            <a:r>
+              <a:rPr lang="en-GB"/>
+              <a:t> anomaly</a:t>
+            </a:r>
+            <a:endParaRPr/>
+          </a:p>
+        </p:txBody>
+      </p:sp>
+      <p:sp>
+        <p:nvSpPr>
+          <p:cNvPr id="136" name="Google Shape;136;p22"/>
+          <p:cNvSpPr txBox="1"/>
+          <p:nvPr/>
+        </p:nvSpPr>
+        <p:spPr>
+          <a:xfrm>
+            <a:off x="5157775" y="4571450"/>
+            <a:ext cx="3594300" cy="333000"/>
+          </a:xfrm>
+          <a:prstGeom prst="rect">
+            <a:avLst/>
+          </a:prstGeom>
+          <a:noFill/>
+          <a:ln>
+            <a:noFill/>
+          </a:ln>
+        </p:spPr>
+        <p:txBody>
+          <a:bodyPr anchorCtr="0" anchor="t" bIns="91425" lIns="91425" spcFirstLastPara="1" rIns="91425" wrap="square" tIns="91425">
+            <a:noAutofit/>
+          </a:bodyPr>
+          <a:lstStyle/>
+          <a:p>
+            <a:pPr indent="0" lvl="0" marL="0" rtl="0">
+              <a:spcBef>
+                <a:spcPts val="0"/>
+              </a:spcBef>
+              <a:spcAft>
+                <a:spcPts val="0"/>
+              </a:spcAft>
+              <a:buNone/>
+            </a:pPr>
+            <a:r>
+              <a:rPr lang="en-GB"/>
+              <a:t>gps</a:t>
+            </a:r>
+            <a:r>
+              <a:rPr lang="en-GB"/>
+              <a:t>Speed, acceY_raw </a:t>
+            </a:r>
+            <a:r>
+              <a:rPr lang="en-GB" sz="1000"/>
+              <a:t>vs</a:t>
+            </a:r>
+            <a:r>
+              <a:rPr lang="en-GB"/>
+              <a:t> anomaly</a:t>
+            </a:r>
+            <a:endParaRPr/>
+          </a:p>
+        </p:txBody>
+      </p:sp>
     </p:spTree>
   </p:cSld>
   <p:clrMapOvr>
@@ -10837,6 +11398,285 @@
 </file>
 
 <file path=ppt/theme/theme1.xml><?xml version="1.0" encoding="utf-8"?>
+<a:theme xmlns:a="http://schemas.openxmlformats.org/drawingml/2006/main" xmlns:r="http://schemas.openxmlformats.org/officeDocument/2006/relationships" name="Gameday">
+  <a:themeElements>
+    <a:clrScheme name="Gameday">
+      <a:dk1>
+        <a:srgbClr val="4285F4"/>
+      </a:dk1>
+      <a:lt1>
+        <a:srgbClr val="FFFFFF"/>
+      </a:lt1>
+      <a:dk2>
+        <a:srgbClr val="666666"/>
+      </a:dk2>
+      <a:lt2>
+        <a:srgbClr val="D9D9D9"/>
+      </a:lt2>
+      <a:accent1>
+        <a:srgbClr val="455A64"/>
+      </a:accent1>
+      <a:accent2>
+        <a:srgbClr val="607D8B"/>
+      </a:accent2>
+      <a:accent3>
+        <a:srgbClr val="FF5722"/>
+      </a:accent3>
+      <a:accent4>
+        <a:srgbClr val="D84315"/>
+      </a:accent4>
+      <a:accent5>
+        <a:srgbClr val="1C3AA9"/>
+      </a:accent5>
+      <a:accent6>
+        <a:srgbClr val="FFAB40"/>
+      </a:accent6>
+      <a:hlink>
+        <a:srgbClr val="1C3AA9"/>
+      </a:hlink>
+      <a:folHlink>
+        <a:srgbClr val="1C3AA9"/>
+      </a:folHlink>
+    </a:clrScheme>
+    <a:fontScheme name="Office">
+      <a:majorFont>
+        <a:latin typeface="Arial"/>
+        <a:ea typeface=""/>
+        <a:cs typeface=""/>
+        <a:font script="Jpan" typeface="ＭＳ Ｐゴシック"/>
+        <a:font script="Hang" typeface="맑은 고딕"/>
+        <a:font script="Hans" typeface="宋体"/>
+        <a:font script="Hant" typeface="新細明體"/>
+        <a:font script="Arab" typeface="Times New Roman"/>
+        <a:font script="Hebr" typeface="Times New Roman"/>
+        <a:font script="Thai" typeface="Angsana New"/>
+        <a:font script="Ethi" typeface="Nyala"/>
+        <a:font script="Beng" typeface="Vrinda"/>
+        <a:font script="Gujr" typeface="Shruti"/>
+        <a:font script="Khmr" typeface="MoolBoran"/>
+        <a:font script="Knda" typeface="Tunga"/>
+        <a:font script="Guru" typeface="Raavi"/>
+        <a:font script="Cans" typeface="Euphemia"/>
+        <a:font script="Cher" typeface="Plantagenet Cherokee"/>
+        <a:font script="Yiii" typeface="Microsoft Yi Baiti"/>
+        <a:font script="Tibt" typeface="Microsoft Himalaya"/>
+        <a:font script="Thaa" typeface="MV Boli"/>
+        <a:font script="Deva" typeface="Mangal"/>
+        <a:font script="Telu" typeface="Gautami"/>
+        <a:font script="Taml" typeface="Latha"/>
+        <a:font script="Syrc" typeface="Estrangelo Edessa"/>
+        <a:font script="Orya" typeface="Kalinga"/>
+        <a:font script="Mlym" typeface="Kartika"/>
+        <a:font script="Laoo" typeface="DokChampa"/>
+        <a:font script="Sinh" typeface="Iskoola Pota"/>
+        <a:font script="Mong" typeface="Mongolian Baiti"/>
+        <a:font script="Viet" typeface="Times New Roman"/>
+        <a:font script="Uigh" typeface="Microsoft Uighur"/>
+        <a:font script="Geor" typeface="Sylfaen"/>
+      </a:majorFont>
+      <a:minorFont>
+        <a:latin typeface="Arial"/>
+        <a:ea typeface=""/>
+        <a:cs typeface=""/>
+        <a:font script="Jpan" typeface="ＭＳ Ｐゴシック"/>
+        <a:font script="Hang" typeface="맑은 고딕"/>
+        <a:font script="Hans" typeface="宋体"/>
+        <a:font script="Hant" typeface="新細明體"/>
+        <a:font script="Arab" typeface="Arial"/>
+        <a:font script="Hebr" typeface="Arial"/>
+        <a:font script="Thai" typeface="Cordia New"/>
+        <a:font script="Ethi" typeface="Nyala"/>
+        <a:font script="Beng" typeface="Vrinda"/>
+        <a:font script="Gujr" typeface="Shruti"/>
+        <a:font script="Khmr" typeface="DaunPenh"/>
+        <a:font script="Knda" typeface="Tunga"/>
+        <a:font script="Guru" typeface="Raavi"/>
+        <a:font script="Cans" typeface="Euphemia"/>
+        <a:font script="Cher" typeface="Plantagenet Cherokee"/>
+        <a:font script="Yiii" typeface="Microsoft Yi Baiti"/>
+        <a:font script="Tibt" typeface="Microsoft Himalaya"/>
+        <a:font script="Thaa" typeface="MV Boli"/>
+        <a:font script="Deva" typeface="Mangal"/>
+        <a:font script="Telu" typeface="Gautami"/>
+        <a:font script="Taml" typeface="Latha"/>
+        <a:font script="Syrc" typeface="Estrangelo Edessa"/>
+        <a:font script="Orya" typeface="Kalinga"/>
+        <a:font script="Mlym" typeface="Kartika"/>
+        <a:font script="Laoo" typeface="DokChampa"/>
+        <a:font script="Sinh" typeface="Iskoola Pota"/>
+        <a:font script="Mong" typeface="Mongolian Baiti"/>
+        <a:font script="Viet" typeface="Arial"/>
+        <a:font script="Uigh" typeface="Microsoft Uighur"/>
+        <a:font script="Geor" typeface="Sylfaen"/>
+      </a:minorFont>
+    </a:fontScheme>
+    <a:fmtScheme name="Office">
+      <a:fillStyleLst>
+        <a:solidFill>
+          <a:schemeClr val="phClr"/>
+        </a:solidFill>
+        <a:gradFill rotWithShape="1">
+          <a:gsLst>
+            <a:gs pos="0">
+              <a:schemeClr val="phClr">
+                <a:tint val="50000"/>
+                <a:satMod val="300000"/>
+              </a:schemeClr>
+            </a:gs>
+            <a:gs pos="35000">
+              <a:schemeClr val="phClr">
+                <a:tint val="37000"/>
+                <a:satMod val="300000"/>
+              </a:schemeClr>
+            </a:gs>
+            <a:gs pos="100000">
+              <a:schemeClr val="phClr">
+                <a:tint val="15000"/>
+                <a:satMod val="350000"/>
+              </a:schemeClr>
+            </a:gs>
+          </a:gsLst>
+          <a:lin ang="16200000" scaled="1"/>
+        </a:gradFill>
+        <a:gradFill rotWithShape="1">
+          <a:gsLst>
+            <a:gs pos="0">
+              <a:schemeClr val="phClr">
+                <a:tint val="100000"/>
+                <a:shade val="100000"/>
+                <a:satMod val="130000"/>
+              </a:schemeClr>
+            </a:gs>
+            <a:gs pos="100000">
+              <a:schemeClr val="phClr">
+                <a:tint val="50000"/>
+                <a:shade val="100000"/>
+                <a:satMod val="350000"/>
+              </a:schemeClr>
+            </a:gs>
+          </a:gsLst>
+          <a:lin ang="16200000" scaled="0"/>
+        </a:gradFill>
+      </a:fillStyleLst>
+      <a:lnStyleLst>
+        <a:ln w="9525" cap="flat" cmpd="sng" algn="ctr">
+          <a:solidFill>
+            <a:schemeClr val="phClr">
+              <a:shade val="95000"/>
+              <a:satMod val="105000"/>
+            </a:schemeClr>
+          </a:solidFill>
+          <a:prstDash val="solid"/>
+        </a:ln>
+        <a:ln w="25400" cap="flat" cmpd="sng" algn="ctr">
+          <a:solidFill>
+            <a:schemeClr val="phClr"/>
+          </a:solidFill>
+          <a:prstDash val="solid"/>
+        </a:ln>
+        <a:ln w="38100" cap="flat" cmpd="sng" algn="ctr">
+          <a:solidFill>
+            <a:schemeClr val="phClr"/>
+          </a:solidFill>
+          <a:prstDash val="solid"/>
+        </a:ln>
+      </a:lnStyleLst>
+      <a:effectStyleLst>
+        <a:effectStyle>
+          <a:effectLst>
+            <a:outerShdw blurRad="40000" dist="20000" dir="5400000" rotWithShape="0">
+              <a:srgbClr val="000000">
+                <a:alpha val="38000"/>
+              </a:srgbClr>
+            </a:outerShdw>
+          </a:effectLst>
+        </a:effectStyle>
+        <a:effectStyle>
+          <a:effectLst>
+            <a:outerShdw blurRad="40000" dist="23000" dir="5400000" rotWithShape="0">
+              <a:srgbClr val="000000">
+                <a:alpha val="35000"/>
+              </a:srgbClr>
+            </a:outerShdw>
+          </a:effectLst>
+        </a:effectStyle>
+        <a:effectStyle>
+          <a:effectLst>
+            <a:outerShdw blurRad="40000" dist="23000" dir="5400000" rotWithShape="0">
+              <a:srgbClr val="000000">
+                <a:alpha val="35000"/>
+              </a:srgbClr>
+            </a:outerShdw>
+          </a:effectLst>
+          <a:scene3d>
+            <a:camera prst="orthographicFront">
+              <a:rot lat="0" lon="0" rev="0"/>
+            </a:camera>
+            <a:lightRig rig="threePt" dir="t">
+              <a:rot lat="0" lon="0" rev="1200000"/>
+            </a:lightRig>
+          </a:scene3d>
+          <a:sp3d>
+            <a:bevelT w="63500" h="25400"/>
+          </a:sp3d>
+        </a:effectStyle>
+      </a:effectStyleLst>
+      <a:bgFillStyleLst>
+        <a:solidFill>
+          <a:schemeClr val="phClr"/>
+        </a:solidFill>
+        <a:gradFill rotWithShape="1">
+          <a:gsLst>
+            <a:gs pos="0">
+              <a:schemeClr val="phClr">
+                <a:tint val="40000"/>
+                <a:satMod val="350000"/>
+              </a:schemeClr>
+            </a:gs>
+            <a:gs pos="40000">
+              <a:schemeClr val="phClr">
+                <a:tint val="45000"/>
+                <a:shade val="99000"/>
+                <a:satMod val="350000"/>
+              </a:schemeClr>
+            </a:gs>
+            <a:gs pos="100000">
+              <a:schemeClr val="phClr">
+                <a:shade val="20000"/>
+                <a:satMod val="255000"/>
+              </a:schemeClr>
+            </a:gs>
+          </a:gsLst>
+          <a:path path="circle">
+            <a:fillToRect l="50000" t="-80000" r="50000" b="180000"/>
+          </a:path>
+        </a:gradFill>
+        <a:gradFill rotWithShape="1">
+          <a:gsLst>
+            <a:gs pos="0">
+              <a:schemeClr val="phClr">
+                <a:tint val="80000"/>
+                <a:satMod val="300000"/>
+              </a:schemeClr>
+            </a:gs>
+            <a:gs pos="100000">
+              <a:schemeClr val="phClr">
+                <a:shade val="30000"/>
+                <a:satMod val="200000"/>
+              </a:schemeClr>
+            </a:gs>
+          </a:gsLst>
+          <a:path path="circle">
+            <a:fillToRect l="50000" t="50000" r="50000" b="50000"/>
+          </a:path>
+        </a:gradFill>
+      </a:bgFillStyleLst>
+    </a:fmtScheme>
+  </a:themeElements>
+</a:theme>
+</file>
+
+<file path=ppt/theme/theme2.xml><?xml version="1.0" encoding="utf-8"?>
 <a:theme xmlns:a="http://schemas.openxmlformats.org/drawingml/2006/main" xmlns:r="http://schemas.openxmlformats.org/officeDocument/2006/relationships">
   <a:themeElements>
     <a:clrScheme name="Default">
@@ -11113,283 +11953,4 @@
     </a:fmtScheme>
   </a:themeElements>
 </a:theme>
-</file>
-
-<file path=ppt/theme/theme2.xml><?xml version="1.0" encoding="utf-8"?>
-<a:theme xmlns:a="http://schemas.openxmlformats.org/drawingml/2006/main" xmlns:r="http://schemas.openxmlformats.org/officeDocument/2006/relationships" name="Gameday">
-  <a:themeElements>
-    <a:clrScheme name="Gameday">
-      <a:dk1>
-        <a:srgbClr val="4285F4"/>
-      </a:dk1>
-      <a:lt1>
-        <a:srgbClr val="FFFFFF"/>
-      </a:lt1>
-      <a:dk2>
-        <a:srgbClr val="666666"/>
-      </a:dk2>
-      <a:lt2>
-        <a:srgbClr val="D9D9D9"/>
-      </a:lt2>
-      <a:accent1>
-        <a:srgbClr val="455A64"/>
-      </a:accent1>
-      <a:accent2>
-        <a:srgbClr val="607D8B"/>
-      </a:accent2>
-      <a:accent3>
-        <a:srgbClr val="FF5722"/>
-      </a:accent3>
-      <a:accent4>
-        <a:srgbClr val="D84315"/>
-      </a:accent4>
-      <a:accent5>
-        <a:srgbClr val="1C3AA9"/>
-      </a:accent5>
-      <a:accent6>
-        <a:srgbClr val="FFAB40"/>
-      </a:accent6>
-      <a:hlink>
-        <a:srgbClr val="1C3AA9"/>
-      </a:hlink>
-      <a:folHlink>
-        <a:srgbClr val="1C3AA9"/>
-      </a:folHlink>
-    </a:clrScheme>
-    <a:fontScheme name="Office">
-      <a:majorFont>
-        <a:latin typeface="Arial"/>
-        <a:ea typeface=""/>
-        <a:cs typeface=""/>
-        <a:font script="Jpan" typeface="ＭＳ Ｐゴシック"/>
-        <a:font script="Hang" typeface="맑은 고딕"/>
-        <a:font script="Hans" typeface="宋体"/>
-        <a:font script="Hant" typeface="新細明體"/>
-        <a:font script="Arab" typeface="Times New Roman"/>
-        <a:font script="Hebr" typeface="Times New Roman"/>
-        <a:font script="Thai" typeface="Angsana New"/>
-        <a:font script="Ethi" typeface="Nyala"/>
-        <a:font script="Beng" typeface="Vrinda"/>
-        <a:font script="Gujr" typeface="Shruti"/>
-        <a:font script="Khmr" typeface="MoolBoran"/>
-        <a:font script="Knda" typeface="Tunga"/>
-        <a:font script="Guru" typeface="Raavi"/>
-        <a:font script="Cans" typeface="Euphemia"/>
-        <a:font script="Cher" typeface="Plantagenet Cherokee"/>
-        <a:font script="Yiii" typeface="Microsoft Yi Baiti"/>
-        <a:font script="Tibt" typeface="Microsoft Himalaya"/>
-        <a:font script="Thaa" typeface="MV Boli"/>
-        <a:font script="Deva" typeface="Mangal"/>
-        <a:font script="Telu" typeface="Gautami"/>
-        <a:font script="Taml" typeface="Latha"/>
-        <a:font script="Syrc" typeface="Estrangelo Edessa"/>
-        <a:font script="Orya" typeface="Kalinga"/>
-        <a:font script="Mlym" typeface="Kartika"/>
-        <a:font script="Laoo" typeface="DokChampa"/>
-        <a:font script="Sinh" typeface="Iskoola Pota"/>
-        <a:font script="Mong" typeface="Mongolian Baiti"/>
-        <a:font script="Viet" typeface="Times New Roman"/>
-        <a:font script="Uigh" typeface="Microsoft Uighur"/>
-        <a:font script="Geor" typeface="Sylfaen"/>
-      </a:majorFont>
-      <a:minorFont>
-        <a:latin typeface="Arial"/>
-        <a:ea typeface=""/>
-        <a:cs typeface=""/>
-        <a:font script="Jpan" typeface="ＭＳ Ｐゴシック"/>
-        <a:font script="Hang" typeface="맑은 고딕"/>
-        <a:font script="Hans" typeface="宋体"/>
-        <a:font script="Hant" typeface="新細明體"/>
-        <a:font script="Arab" typeface="Arial"/>
-        <a:font script="Hebr" typeface="Arial"/>
-        <a:font script="Thai" typeface="Cordia New"/>
-        <a:font script="Ethi" typeface="Nyala"/>
-        <a:font script="Beng" typeface="Vrinda"/>
-        <a:font script="Gujr" typeface="Shruti"/>
-        <a:font script="Khmr" typeface="DaunPenh"/>
-        <a:font script="Knda" typeface="Tunga"/>
-        <a:font script="Guru" typeface="Raavi"/>
-        <a:font script="Cans" typeface="Euphemia"/>
-        <a:font script="Cher" typeface="Plantagenet Cherokee"/>
-        <a:font script="Yiii" typeface="Microsoft Yi Baiti"/>
-        <a:font script="Tibt" typeface="Microsoft Himalaya"/>
-        <a:font script="Thaa" typeface="MV Boli"/>
-        <a:font script="Deva" typeface="Mangal"/>
-        <a:font script="Telu" typeface="Gautami"/>
-        <a:font script="Taml" typeface="Latha"/>
-        <a:font script="Syrc" typeface="Estrangelo Edessa"/>
-        <a:font script="Orya" typeface="Kalinga"/>
-        <a:font script="Mlym" typeface="Kartika"/>
-        <a:font script="Laoo" typeface="DokChampa"/>
-        <a:font script="Sinh" typeface="Iskoola Pota"/>
-        <a:font script="Mong" typeface="Mongolian Baiti"/>
-        <a:font script="Viet" typeface="Arial"/>
-        <a:font script="Uigh" typeface="Microsoft Uighur"/>
-        <a:font script="Geor" typeface="Sylfaen"/>
-      </a:minorFont>
-    </a:fontScheme>
-    <a:fmtScheme name="Office">
-      <a:fillStyleLst>
-        <a:solidFill>
-          <a:schemeClr val="phClr"/>
-        </a:solidFill>
-        <a:gradFill rotWithShape="1">
-          <a:gsLst>
-            <a:gs pos="0">
-              <a:schemeClr val="phClr">
-                <a:tint val="50000"/>
-                <a:satMod val="300000"/>
-              </a:schemeClr>
-            </a:gs>
-            <a:gs pos="35000">
-              <a:schemeClr val="phClr">
-                <a:tint val="37000"/>
-                <a:satMod val="300000"/>
-              </a:schemeClr>
-            </a:gs>
-            <a:gs pos="100000">
-              <a:schemeClr val="phClr">
-                <a:tint val="15000"/>
-                <a:satMod val="350000"/>
-              </a:schemeClr>
-            </a:gs>
-          </a:gsLst>
-          <a:lin ang="16200000" scaled="1"/>
-        </a:gradFill>
-        <a:gradFill rotWithShape="1">
-          <a:gsLst>
-            <a:gs pos="0">
-              <a:schemeClr val="phClr">
-                <a:tint val="100000"/>
-                <a:shade val="100000"/>
-                <a:satMod val="130000"/>
-              </a:schemeClr>
-            </a:gs>
-            <a:gs pos="100000">
-              <a:schemeClr val="phClr">
-                <a:tint val="50000"/>
-                <a:shade val="100000"/>
-                <a:satMod val="350000"/>
-              </a:schemeClr>
-            </a:gs>
-          </a:gsLst>
-          <a:lin ang="16200000" scaled="0"/>
-        </a:gradFill>
-      </a:fillStyleLst>
-      <a:lnStyleLst>
-        <a:ln w="9525" cap="flat" cmpd="sng" algn="ctr">
-          <a:solidFill>
-            <a:schemeClr val="phClr">
-              <a:shade val="95000"/>
-              <a:satMod val="105000"/>
-            </a:schemeClr>
-          </a:solidFill>
-          <a:prstDash val="solid"/>
-        </a:ln>
-        <a:ln w="25400" cap="flat" cmpd="sng" algn="ctr">
-          <a:solidFill>
-            <a:schemeClr val="phClr"/>
-          </a:solidFill>
-          <a:prstDash val="solid"/>
-        </a:ln>
-        <a:ln w="38100" cap="flat" cmpd="sng" algn="ctr">
-          <a:solidFill>
-            <a:schemeClr val="phClr"/>
-          </a:solidFill>
-          <a:prstDash val="solid"/>
-        </a:ln>
-      </a:lnStyleLst>
-      <a:effectStyleLst>
-        <a:effectStyle>
-          <a:effectLst>
-            <a:outerShdw blurRad="40000" dist="20000" dir="5400000" rotWithShape="0">
-              <a:srgbClr val="000000">
-                <a:alpha val="38000"/>
-              </a:srgbClr>
-            </a:outerShdw>
-          </a:effectLst>
-        </a:effectStyle>
-        <a:effectStyle>
-          <a:effectLst>
-            <a:outerShdw blurRad="40000" dist="23000" dir="5400000" rotWithShape="0">
-              <a:srgbClr val="000000">
-                <a:alpha val="35000"/>
-              </a:srgbClr>
-            </a:outerShdw>
-          </a:effectLst>
-        </a:effectStyle>
-        <a:effectStyle>
-          <a:effectLst>
-            <a:outerShdw blurRad="40000" dist="23000" dir="5400000" rotWithShape="0">
-              <a:srgbClr val="000000">
-                <a:alpha val="35000"/>
-              </a:srgbClr>
-            </a:outerShdw>
-          </a:effectLst>
-          <a:scene3d>
-            <a:camera prst="orthographicFront">
-              <a:rot lat="0" lon="0" rev="0"/>
-            </a:camera>
-            <a:lightRig rig="threePt" dir="t">
-              <a:rot lat="0" lon="0" rev="1200000"/>
-            </a:lightRig>
-          </a:scene3d>
-          <a:sp3d>
-            <a:bevelT w="63500" h="25400"/>
-          </a:sp3d>
-        </a:effectStyle>
-      </a:effectStyleLst>
-      <a:bgFillStyleLst>
-        <a:solidFill>
-          <a:schemeClr val="phClr"/>
-        </a:solidFill>
-        <a:gradFill rotWithShape="1">
-          <a:gsLst>
-            <a:gs pos="0">
-              <a:schemeClr val="phClr">
-                <a:tint val="40000"/>
-                <a:satMod val="350000"/>
-              </a:schemeClr>
-            </a:gs>
-            <a:gs pos="40000">
-              <a:schemeClr val="phClr">
-                <a:tint val="45000"/>
-                <a:shade val="99000"/>
-                <a:satMod val="350000"/>
-              </a:schemeClr>
-            </a:gs>
-            <a:gs pos="100000">
-              <a:schemeClr val="phClr">
-                <a:shade val="20000"/>
-                <a:satMod val="255000"/>
-              </a:schemeClr>
-            </a:gs>
-          </a:gsLst>
-          <a:path path="circle">
-            <a:fillToRect l="50000" t="-80000" r="50000" b="180000"/>
-          </a:path>
-        </a:gradFill>
-        <a:gradFill rotWithShape="1">
-          <a:gsLst>
-            <a:gs pos="0">
-              <a:schemeClr val="phClr">
-                <a:tint val="80000"/>
-                <a:satMod val="300000"/>
-              </a:schemeClr>
-            </a:gs>
-            <a:gs pos="100000">
-              <a:schemeClr val="phClr">
-                <a:shade val="30000"/>
-                <a:satMod val="200000"/>
-              </a:schemeClr>
-            </a:gs>
-          </a:gsLst>
-          <a:path path="circle">
-            <a:fillToRect l="50000" t="50000" r="50000" b="50000"/>
-          </a:path>
-        </a:gradFill>
-      </a:bgFillStyleLst>
-    </a:fmtScheme>
-  </a:themeElements>
-</a:theme>
 </file>